--- a/2022-08-08-KCDC-TheBackgroundOnBackgroundTasksInDotNet6/The Background on Background Tasks.pptx
+++ b/2022-08-08-KCDC-TheBackgroundOnBackgroundTasksInDotNet6/The Background on Background Tasks.pptx
@@ -570,13 +570,8 @@
           <a:p>
             <a:r>
               <a:rPr lang="en-US" dirty="0"/>
-              <a:t>docker-compose down &amp;&amp; </a:t>
-            </a:r>
-            <a:r>
-              <a:rPr lang="en-US"/>
-              <a:t>docker-compose up -d</a:t>
-            </a:r>
-            <a:endParaRPr lang="en-US" dirty="0"/>
+              <a:t>docker-compose down &amp;&amp; docker-compose up -d</a:t>
+            </a:r>
           </a:p>
           <a:p>
             <a:r>
@@ -3044,10 +3039,28 @@
           <a:bodyPr/>
           <a:lstStyle/>
           <a:p>
-            <a:pPr marL="171450" indent="-171450">
+            <a:pPr marL="0" indent="0">
               <a:buFontTx/>
-              <a:buChar char="-"/>
+              <a:buNone/>
             </a:pPr>
+            <a:r>
+              <a:rPr lang="en-US" dirty="0"/>
+              <a:t>Go through Program</a:t>
+            </a:r>
+          </a:p>
+          <a:p>
+            <a:pPr marL="0" indent="0">
+              <a:buFontTx/>
+              <a:buNone/>
+            </a:pPr>
+            <a:r>
+              <a:rPr lang="en-US" dirty="0"/>
+              <a:t>Demo throwing </a:t>
+            </a:r>
+            <a:r>
+              <a:rPr lang="en-US"/>
+              <a:t>an exception and it going to the DLQ</a:t>
+            </a:r>
             <a:endParaRPr lang="en-US" dirty="0"/>
           </a:p>
         </p:txBody>

--- a/2022-08-08-KCDC-TheBackgroundOnBackgroundTasksInDotNet6/The Background on Background Tasks.pptx
+++ b/2022-08-08-KCDC-TheBackgroundOnBackgroundTasksInDotNet6/The Background on Background Tasks.pptx
@@ -3054,12 +3054,8 @@
               <a:buNone/>
             </a:pPr>
             <a:r>
-              <a:rPr lang="en-US" dirty="0"/>
-              <a:t>Demo throwing </a:t>
-            </a:r>
-            <a:r>
               <a:rPr lang="en-US"/>
-              <a:t>an exception and it going to the DLQ</a:t>
+              <a:t>Dedm</a:t>
             </a:r>
             <a:endParaRPr lang="en-US" dirty="0"/>
           </a:p>
@@ -3292,7 +3288,7 @@
             </a:pPr>
             <a:r>
               <a:rPr lang="en-US" dirty="0"/>
-              <a:t>Show Startup</a:t>
+              <a:t>Show Program</a:t>
             </a:r>
           </a:p>
           <a:p>
@@ -3312,11 +3308,11 @@
             </a:pPr>
             <a:r>
               <a:rPr lang="en-US" dirty="0"/>
-              <a:t>Dashboard showing history, recurring, enqueue </a:t>
-            </a:r>
-            <a:r>
-              <a:rPr lang="en-US" dirty="0" err="1"/>
-              <a:t>jos</a:t>
+              <a:t>Dashboard showing history, recurring, </a:t>
+            </a:r>
+            <a:r>
+              <a:rPr lang="en-US"/>
+              <a:t>enqueue jobs</a:t>
             </a:r>
             <a:endParaRPr lang="en-US" dirty="0"/>
           </a:p>
